--- a/M4/Módulo 4.pptx
+++ b/M4/Módulo 4.pptx
@@ -1759,7 +1759,7 @@
                 </a:solidFill>
               </a:rPr>
               <a:pPr algn="ctr"/>
-              <a:t>26/11/2015</a:t>
+              <a:t>21/12/2015</a:t>
             </a:fld>
             <a:endParaRPr kumimoji="0" lang="es-ES" sz="2000">
               <a:solidFill>
@@ -5217,14 +5217,12 @@
               <a:rPr lang="es-ES" dirty="0" smtClean="0"/>
               <a:t>Tablas</a:t>
             </a:r>
-            <a:endParaRPr lang="es-ES" dirty="0" smtClean="0"/>
           </a:p>
           <a:p>
             <a:r>
               <a:rPr lang="es-ES" dirty="0" smtClean="0"/>
               <a:t>AuthController (Login &amp; Logout)</a:t>
             </a:r>
-            <a:endParaRPr lang="es-ES" dirty="0" smtClean="0"/>
           </a:p>
           <a:p>
             <a:r>
@@ -5297,7 +5295,11 @@
           <a:p>
             <a:r>
               <a:rPr lang="es-ES" sz="3800" dirty="0" smtClean="0"/>
-              <a:t>Módulo 3: </a:t>
+              <a:t>Módulo </a:t>
+            </a:r>
+            <a:r>
+              <a:rPr lang="es-ES" sz="3800" dirty="0" smtClean="0"/>
+              <a:t>4: </a:t>
             </a:r>
             <a:r>
               <a:rPr lang="es-ES" sz="3800" b="1" dirty="0" smtClean="0"/>
@@ -5358,7 +5360,6 @@
               <a:rPr lang="es-ES" dirty="0" smtClean="0"/>
               <a:t>Models</a:t>
             </a:r>
-            <a:endParaRPr lang="es-ES" dirty="0" smtClean="0"/>
           </a:p>
           <a:p>
             <a:r>
@@ -5521,11 +5522,7 @@
           <a:p>
             <a:r>
               <a:rPr lang="en-US" dirty="0" smtClean="0"/>
-              <a:t>Autoload de </a:t>
-            </a:r>
-            <a:r>
-              <a:rPr lang="en-US" dirty="0" smtClean="0"/>
-              <a:t>clases</a:t>
+              <a:t>Autoload de clases</a:t>
             </a:r>
           </a:p>
           <a:p>
@@ -6348,11 +6345,7 @@
           <a:p>
             <a:r>
               <a:rPr lang="es-ES" dirty="0" smtClean="0"/>
-              <a:t>Clase ‘‘Response’’ (JSON</a:t>
-            </a:r>
-            <a:r>
-              <a:rPr lang="es-ES" dirty="0" smtClean="0"/>
-              <a:t>)</a:t>
+              <a:t>Clase ‘‘Response’’ (JSON)</a:t>
             </a:r>
           </a:p>
           <a:p>
@@ -6360,7 +6353,6 @@
               <a:rPr lang="es-ES" dirty="0" smtClean="0"/>
               <a:t>-&gt;toArray()</a:t>
             </a:r>
-            <a:endParaRPr lang="es-ES" dirty="0" smtClean="0"/>
           </a:p>
         </p:txBody>
       </p:sp>
@@ -6644,7 +6636,6 @@
               <a:rPr lang="es-ES" dirty="0" smtClean="0"/>
               <a:t>Relaciones</a:t>
             </a:r>
-            <a:endParaRPr lang="es-ES" dirty="0" smtClean="0"/>
           </a:p>
         </p:txBody>
       </p:sp>
